--- a/rehoosa/앱 기획서.pptx
+++ b/rehoosa/앱 기획서.pptx
@@ -122,6 +122,43 @@
 </p:presentation>
 </file>
 
+<file path=ppt/changesInfos/changesInfo1.xml><?xml version="1.0" encoding="utf-8"?>
+<pc:chgInfo xmlns:a="http://schemas.openxmlformats.org/drawingml/2006/main" xmlns:r="http://schemas.openxmlformats.org/officeDocument/2006/relationships" xmlns:ac="http://schemas.microsoft.com/office/drawing/2013/main/command" xmlns:pc="http://schemas.microsoft.com/office/powerpoint/2013/main/command">
+  <pc:docChgLst>
+    <pc:chgData name="정태민" userId="edb72990-e73e-4574-a78d-ee48501b6868" providerId="ADAL" clId="{DC3845F8-C71D-4496-81ED-87D5BA7F2F7B}"/>
+    <pc:docChg chg="undo custSel modSld">
+      <pc:chgData name="정태민" userId="edb72990-e73e-4574-a78d-ee48501b6868" providerId="ADAL" clId="{DC3845F8-C71D-4496-81ED-87D5BA7F2F7B}" dt="2021-06-07T13:32:16.812" v="18" actId="1076"/>
+      <pc:docMkLst>
+        <pc:docMk/>
+      </pc:docMkLst>
+      <pc:sldChg chg="addSp modSp mod">
+        <pc:chgData name="정태민" userId="edb72990-e73e-4574-a78d-ee48501b6868" providerId="ADAL" clId="{DC3845F8-C71D-4496-81ED-87D5BA7F2F7B}" dt="2021-06-07T13:32:16.812" v="18" actId="1076"/>
+        <pc:sldMkLst>
+          <pc:docMk/>
+          <pc:sldMk cId="4076684239" sldId="259"/>
+        </pc:sldMkLst>
+        <pc:spChg chg="add mod">
+          <ac:chgData name="정태민" userId="edb72990-e73e-4574-a78d-ee48501b6868" providerId="ADAL" clId="{DC3845F8-C71D-4496-81ED-87D5BA7F2F7B}" dt="2021-06-07T13:32:16.812" v="18" actId="1076"/>
+          <ac:spMkLst>
+            <pc:docMk/>
+            <pc:sldMk cId="4076684239" sldId="259"/>
+            <ac:spMk id="2" creationId="{5A0C71D7-9509-48A5-959F-1DAAA8AFF998}"/>
+          </ac:spMkLst>
+        </pc:spChg>
+        <pc:picChg chg="add mod ord">
+          <ac:chgData name="정태민" userId="edb72990-e73e-4574-a78d-ee48501b6868" providerId="ADAL" clId="{DC3845F8-C71D-4496-81ED-87D5BA7F2F7B}" dt="2021-06-07T13:25:50.458" v="9" actId="1076"/>
+          <ac:picMkLst>
+            <pc:docMk/>
+            <pc:sldMk cId="4076684239" sldId="259"/>
+            <ac:picMk id="10" creationId="{915744C9-E190-48BD-94FA-EDE0D64FCCED}"/>
+          </ac:picMkLst>
+        </pc:picChg>
+      </pc:sldChg>
+    </pc:docChg>
+  </pc:docChgLst>
+</pc:chgInfo>
+</file>
+
 <file path=ppt/slideLayouts/slideLayout1.xml><?xml version="1.0" encoding="utf-8"?>
 <p:sldLayout xmlns:a="http://schemas.openxmlformats.org/drawingml/2006/main" xmlns:r="http://schemas.openxmlformats.org/officeDocument/2006/relationships" xmlns:p="http://schemas.openxmlformats.org/presentationml/2006/main" type="title" preserve="1">
   <p:cSld name="제목 슬라이드">
@@ -271,7 +308,7 @@
           <a:p>
             <a:fld id="{7A488192-FAE3-8243-9BE2-93F7F8CEC7E2}" type="datetimeFigureOut">
               <a:rPr kumimoji="1" lang="ko-Kore-KR" altLang="en-US" smtClean="0"/>
-              <a:t>2021. 5. 26.</a:t>
+              <a:t>06/07/2021</a:t>
             </a:fld>
             <a:endParaRPr kumimoji="1" lang="ko-Kore-KR" altLang="en-US"/>
           </a:p>
@@ -471,7 +508,7 @@
           <a:p>
             <a:fld id="{7A488192-FAE3-8243-9BE2-93F7F8CEC7E2}" type="datetimeFigureOut">
               <a:rPr kumimoji="1" lang="ko-Kore-KR" altLang="en-US" smtClean="0"/>
-              <a:t>2021. 5. 26.</a:t>
+              <a:t>06/07/2021</a:t>
             </a:fld>
             <a:endParaRPr kumimoji="1" lang="ko-Kore-KR" altLang="en-US"/>
           </a:p>
@@ -681,7 +718,7 @@
           <a:p>
             <a:fld id="{7A488192-FAE3-8243-9BE2-93F7F8CEC7E2}" type="datetimeFigureOut">
               <a:rPr kumimoji="1" lang="ko-Kore-KR" altLang="en-US" smtClean="0"/>
-              <a:t>2021. 5. 26.</a:t>
+              <a:t>06/07/2021</a:t>
             </a:fld>
             <a:endParaRPr kumimoji="1" lang="ko-Kore-KR" altLang="en-US"/>
           </a:p>
@@ -881,7 +918,7 @@
           <a:p>
             <a:fld id="{7A488192-FAE3-8243-9BE2-93F7F8CEC7E2}" type="datetimeFigureOut">
               <a:rPr kumimoji="1" lang="ko-Kore-KR" altLang="en-US" smtClean="0"/>
-              <a:t>2021. 5. 26.</a:t>
+              <a:t>06/07/2021</a:t>
             </a:fld>
             <a:endParaRPr kumimoji="1" lang="ko-Kore-KR" altLang="en-US"/>
           </a:p>
@@ -1157,7 +1194,7 @@
           <a:p>
             <a:fld id="{7A488192-FAE3-8243-9BE2-93F7F8CEC7E2}" type="datetimeFigureOut">
               <a:rPr kumimoji="1" lang="ko-Kore-KR" altLang="en-US" smtClean="0"/>
-              <a:t>2021. 5. 26.</a:t>
+              <a:t>06/07/2021</a:t>
             </a:fld>
             <a:endParaRPr kumimoji="1" lang="ko-Kore-KR" altLang="en-US"/>
           </a:p>
@@ -1425,7 +1462,7 @@
           <a:p>
             <a:fld id="{7A488192-FAE3-8243-9BE2-93F7F8CEC7E2}" type="datetimeFigureOut">
               <a:rPr kumimoji="1" lang="ko-Kore-KR" altLang="en-US" smtClean="0"/>
-              <a:t>2021. 5. 26.</a:t>
+              <a:t>06/07/2021</a:t>
             </a:fld>
             <a:endParaRPr kumimoji="1" lang="ko-Kore-KR" altLang="en-US"/>
           </a:p>
@@ -1840,7 +1877,7 @@
           <a:p>
             <a:fld id="{7A488192-FAE3-8243-9BE2-93F7F8CEC7E2}" type="datetimeFigureOut">
               <a:rPr kumimoji="1" lang="ko-Kore-KR" altLang="en-US" smtClean="0"/>
-              <a:t>2021. 5. 26.</a:t>
+              <a:t>06/07/2021</a:t>
             </a:fld>
             <a:endParaRPr kumimoji="1" lang="ko-Kore-KR" altLang="en-US"/>
           </a:p>
@@ -1982,7 +2019,7 @@
           <a:p>
             <a:fld id="{7A488192-FAE3-8243-9BE2-93F7F8CEC7E2}" type="datetimeFigureOut">
               <a:rPr kumimoji="1" lang="ko-Kore-KR" altLang="en-US" smtClean="0"/>
-              <a:t>2021. 5. 26.</a:t>
+              <a:t>06/07/2021</a:t>
             </a:fld>
             <a:endParaRPr kumimoji="1" lang="ko-Kore-KR" altLang="en-US"/>
           </a:p>
@@ -2095,7 +2132,7 @@
           <a:p>
             <a:fld id="{7A488192-FAE3-8243-9BE2-93F7F8CEC7E2}" type="datetimeFigureOut">
               <a:rPr kumimoji="1" lang="ko-Kore-KR" altLang="en-US" smtClean="0"/>
-              <a:t>2021. 5. 26.</a:t>
+              <a:t>06/07/2021</a:t>
             </a:fld>
             <a:endParaRPr kumimoji="1" lang="ko-Kore-KR" altLang="en-US"/>
           </a:p>
@@ -2408,7 +2445,7 @@
           <a:p>
             <a:fld id="{7A488192-FAE3-8243-9BE2-93F7F8CEC7E2}" type="datetimeFigureOut">
               <a:rPr kumimoji="1" lang="ko-Kore-KR" altLang="en-US" smtClean="0"/>
-              <a:t>2021. 5. 26.</a:t>
+              <a:t>06/07/2021</a:t>
             </a:fld>
             <a:endParaRPr kumimoji="1" lang="ko-Kore-KR" altLang="en-US"/>
           </a:p>
@@ -2697,7 +2734,7 @@
           <a:p>
             <a:fld id="{7A488192-FAE3-8243-9BE2-93F7F8CEC7E2}" type="datetimeFigureOut">
               <a:rPr kumimoji="1" lang="ko-Kore-KR" altLang="en-US" smtClean="0"/>
-              <a:t>2021. 5. 26.</a:t>
+              <a:t>06/07/2021</a:t>
             </a:fld>
             <a:endParaRPr kumimoji="1" lang="ko-Kore-KR" altLang="en-US"/>
           </a:p>
@@ -2940,7 +2977,7 @@
           <a:p>
             <a:fld id="{7A488192-FAE3-8243-9BE2-93F7F8CEC7E2}" type="datetimeFigureOut">
               <a:rPr kumimoji="1" lang="ko-Kore-KR" altLang="en-US" smtClean="0"/>
-              <a:t>2021. 5. 26.</a:t>
+              <a:t>06/07/2021</a:t>
             </a:fld>
             <a:endParaRPr kumimoji="1" lang="ko-Kore-KR" altLang="en-US"/>
           </a:p>
@@ -5306,6 +5343,36 @@
           <a:chExt cx="0" cy="0"/>
         </a:xfrm>
       </p:grpSpPr>
+      <p:pic>
+        <p:nvPicPr>
+          <p:cNvPr id="10" name="그림 9">
+            <a:extLst>
+              <a:ext uri="{FF2B5EF4-FFF2-40B4-BE49-F238E27FC236}">
+                <a16:creationId xmlns:a16="http://schemas.microsoft.com/office/drawing/2014/main" id="{915744C9-E190-48BD-94FA-EDE0D64FCCED}"/>
+              </a:ext>
+            </a:extLst>
+          </p:cNvPr>
+          <p:cNvPicPr>
+            <a:picLocks noChangeAspect="1"/>
+          </p:cNvPicPr>
+          <p:nvPr/>
+        </p:nvPicPr>
+        <p:blipFill>
+          <a:blip r:embed="rId2"/>
+          <a:stretch>
+            <a:fillRect/>
+          </a:stretch>
+        </p:blipFill>
+        <p:spPr>
+          <a:xfrm>
+            <a:off x="0" y="0"/>
+            <a:ext cx="3904269" cy="6853037"/>
+          </a:xfrm>
+          <a:prstGeom prst="rect">
+            <a:avLst/>
+          </a:prstGeom>
+        </p:spPr>
+      </p:pic>
       <p:sp>
         <p:nvSpPr>
           <p:cNvPr id="4" name="직사각형 3">
@@ -5831,6 +5898,58 @@
                 <a:sysClr val="windowText" lastClr="000000"/>
               </a:solidFill>
             </a:endParaRPr>
+          </a:p>
+        </p:txBody>
+      </p:sp>
+      <p:sp>
+        <p:nvSpPr>
+          <p:cNvPr id="2" name="사각형: 둥근 모서리 1">
+            <a:extLst>
+              <a:ext uri="{FF2B5EF4-FFF2-40B4-BE49-F238E27FC236}">
+                <a16:creationId xmlns:a16="http://schemas.microsoft.com/office/drawing/2014/main" id="{5A0C71D7-9509-48A5-959F-1DAAA8AFF998}"/>
+              </a:ext>
+            </a:extLst>
+          </p:cNvPr>
+          <p:cNvSpPr/>
+          <p:nvPr/>
+        </p:nvSpPr>
+        <p:spPr>
+          <a:xfrm>
+            <a:off x="462819" y="5879773"/>
+            <a:ext cx="2900180" cy="540259"/>
+          </a:xfrm>
+          <a:prstGeom prst="roundRect">
+            <a:avLst/>
+          </a:prstGeom>
+          <a:solidFill>
+            <a:srgbClr val="EA6E64"/>
+          </a:solidFill>
+          <a:ln>
+            <a:noFill/>
+          </a:ln>
+        </p:spPr>
+        <p:style>
+          <a:lnRef idx="2">
+            <a:schemeClr val="accent1">
+              <a:shade val="50000"/>
+            </a:schemeClr>
+          </a:lnRef>
+          <a:fillRef idx="1">
+            <a:schemeClr val="accent1"/>
+          </a:fillRef>
+          <a:effectRef idx="0">
+            <a:schemeClr val="accent1"/>
+          </a:effectRef>
+          <a:fontRef idx="minor">
+            <a:schemeClr val="lt1"/>
+          </a:fontRef>
+        </p:style>
+        <p:txBody>
+          <a:bodyPr rtlCol="0" anchor="ctr"/>
+          <a:lstStyle/>
+          <a:p>
+            <a:pPr algn="ctr"/>
+            <a:endParaRPr lang="ko-KR" altLang="en-US"/>
           </a:p>
         </p:txBody>
       </p:sp>
